--- a/SPA Poster.pptx
+++ b/SPA Poster.pptx
@@ -104,6 +104,11 @@
       </a:defRPr>
     </a:lvl9pPr>
   </p:defaultTextStyle>
+  <p:extLst>
+    <p:ext uri="{EFAFB233-063F-42B5-8137-9DF3F51BA10A}">
+      <p15:sldGuideLst xmlns:p15="http://schemas.microsoft.com/office/powerpoint/2012/main"/>
+    </p:ext>
+  </p:extLst>
 </p:presentation>
 </file>
 
@@ -238,7 +243,7 @@
           <a:p>
             <a:fld id="{823F375A-B8F5-4DAF-B368-CB3AA3B93150}" type="datetimeFigureOut">
               <a:rPr lang="en-GB" smtClean="0"/>
-              <a:t>13/04/2024</a:t>
+              <a:t>17/04/2024</a:t>
             </a:fld>
             <a:endParaRPr lang="en-GB"/>
           </a:p>
@@ -408,7 +413,7 @@
           <a:p>
             <a:fld id="{823F375A-B8F5-4DAF-B368-CB3AA3B93150}" type="datetimeFigureOut">
               <a:rPr lang="en-GB" smtClean="0"/>
-              <a:t>13/04/2024</a:t>
+              <a:t>17/04/2024</a:t>
             </a:fld>
             <a:endParaRPr lang="en-GB"/>
           </a:p>
@@ -588,7 +593,7 @@
           <a:p>
             <a:fld id="{823F375A-B8F5-4DAF-B368-CB3AA3B93150}" type="datetimeFigureOut">
               <a:rPr lang="en-GB" smtClean="0"/>
-              <a:t>13/04/2024</a:t>
+              <a:t>17/04/2024</a:t>
             </a:fld>
             <a:endParaRPr lang="en-GB"/>
           </a:p>
@@ -758,7 +763,7 @@
           <a:p>
             <a:fld id="{823F375A-B8F5-4DAF-B368-CB3AA3B93150}" type="datetimeFigureOut">
               <a:rPr lang="en-GB" smtClean="0"/>
-              <a:t>13/04/2024</a:t>
+              <a:t>17/04/2024</a:t>
             </a:fld>
             <a:endParaRPr lang="en-GB"/>
           </a:p>
@@ -1004,7 +1009,7 @@
           <a:p>
             <a:fld id="{823F375A-B8F5-4DAF-B368-CB3AA3B93150}" type="datetimeFigureOut">
               <a:rPr lang="en-GB" smtClean="0"/>
-              <a:t>13/04/2024</a:t>
+              <a:t>17/04/2024</a:t>
             </a:fld>
             <a:endParaRPr lang="en-GB"/>
           </a:p>
@@ -1236,7 +1241,7 @@
           <a:p>
             <a:fld id="{823F375A-B8F5-4DAF-B368-CB3AA3B93150}" type="datetimeFigureOut">
               <a:rPr lang="en-GB" smtClean="0"/>
-              <a:t>13/04/2024</a:t>
+              <a:t>17/04/2024</a:t>
             </a:fld>
             <a:endParaRPr lang="en-GB"/>
           </a:p>
@@ -1603,7 +1608,7 @@
           <a:p>
             <a:fld id="{823F375A-B8F5-4DAF-B368-CB3AA3B93150}" type="datetimeFigureOut">
               <a:rPr lang="en-GB" smtClean="0"/>
-              <a:t>13/04/2024</a:t>
+              <a:t>17/04/2024</a:t>
             </a:fld>
             <a:endParaRPr lang="en-GB"/>
           </a:p>
@@ -1721,7 +1726,7 @@
           <a:p>
             <a:fld id="{823F375A-B8F5-4DAF-B368-CB3AA3B93150}" type="datetimeFigureOut">
               <a:rPr lang="en-GB" smtClean="0"/>
-              <a:t>13/04/2024</a:t>
+              <a:t>17/04/2024</a:t>
             </a:fld>
             <a:endParaRPr lang="en-GB"/>
           </a:p>
@@ -1816,7 +1821,7 @@
           <a:p>
             <a:fld id="{823F375A-B8F5-4DAF-B368-CB3AA3B93150}" type="datetimeFigureOut">
               <a:rPr lang="en-GB" smtClean="0"/>
-              <a:t>13/04/2024</a:t>
+              <a:t>17/04/2024</a:t>
             </a:fld>
             <a:endParaRPr lang="en-GB"/>
           </a:p>
@@ -2093,7 +2098,7 @@
           <a:p>
             <a:fld id="{823F375A-B8F5-4DAF-B368-CB3AA3B93150}" type="datetimeFigureOut">
               <a:rPr lang="en-GB" smtClean="0"/>
-              <a:t>13/04/2024</a:t>
+              <a:t>17/04/2024</a:t>
             </a:fld>
             <a:endParaRPr lang="en-GB"/>
           </a:p>
@@ -2350,7 +2355,7 @@
           <a:p>
             <a:fld id="{823F375A-B8F5-4DAF-B368-CB3AA3B93150}" type="datetimeFigureOut">
               <a:rPr lang="en-GB" smtClean="0"/>
-              <a:t>13/04/2024</a:t>
+              <a:t>17/04/2024</a:t>
             </a:fld>
             <a:endParaRPr lang="en-GB"/>
           </a:p>
@@ -2563,7 +2568,7 @@
           <a:p>
             <a:fld id="{823F375A-B8F5-4DAF-B368-CB3AA3B93150}" type="datetimeFigureOut">
               <a:rPr lang="en-GB" smtClean="0"/>
-              <a:t>13/04/2024</a:t>
+              <a:t>17/04/2024</a:t>
             </a:fld>
             <a:endParaRPr lang="en-GB"/>
           </a:p>
@@ -2990,8 +2995,8 @@
         </p:blipFill>
         <p:spPr>
           <a:xfrm>
-            <a:off x="408928" y="2715490"/>
-            <a:ext cx="10753055" cy="10828016"/>
+            <a:off x="408929" y="2715490"/>
+            <a:ext cx="9786446" cy="10828016"/>
           </a:xfrm>
           <a:prstGeom prst="rect">
             <a:avLst/>
@@ -3021,7 +3026,7 @@
         <p:spPr>
           <a:xfrm>
             <a:off x="11857388" y="2715490"/>
-            <a:ext cx="17532536" cy="10828018"/>
+            <a:ext cx="10753054" cy="7904885"/>
           </a:xfrm>
           <a:prstGeom prst="rect">
             <a:avLst/>
@@ -3042,8 +3047,8 @@
         </p:nvSpPr>
         <p:spPr>
           <a:xfrm>
-            <a:off x="850364" y="14038663"/>
-            <a:ext cx="10753057" cy="6555641"/>
+            <a:off x="693683" y="13783756"/>
+            <a:ext cx="10371818" cy="7478970"/>
           </a:xfrm>
           <a:prstGeom prst="rect">
             <a:avLst/>
@@ -3121,8 +3126,8 @@
         </p:nvSpPr>
         <p:spPr>
           <a:xfrm>
-            <a:off x="13936717" y="14125903"/>
-            <a:ext cx="15453207" cy="5078313"/>
+            <a:off x="22702343" y="2459843"/>
+            <a:ext cx="7220917" cy="7478970"/>
           </a:xfrm>
           <a:prstGeom prst="rect">
             <a:avLst/>
@@ -3140,7 +3145,7 @@
               <a:buChar char="•"/>
             </a:pPr>
             <a:r>
-              <a:rPr lang="en-GB" sz="5400" dirty="0"/>
+              <a:rPr lang="en-GB" sz="4800" dirty="0"/>
               <a:t>The riddle Screen</a:t>
             </a:r>
           </a:p>
@@ -3150,7 +3155,7 @@
               <a:buChar char="•"/>
             </a:pPr>
             <a:r>
-              <a:rPr lang="en-GB" sz="5400" dirty="0"/>
+              <a:rPr lang="en-GB" sz="4800" dirty="0"/>
               <a:t>A brief description of the room and an owl speaking to you</a:t>
             </a:r>
           </a:p>
@@ -3160,7 +3165,7 @@
               <a:buChar char="•"/>
             </a:pPr>
             <a:r>
-              <a:rPr lang="en-GB" sz="5400" dirty="0"/>
+              <a:rPr lang="en-GB" sz="4800" dirty="0"/>
               <a:t>4 answers, 3 wrong, 1 correct</a:t>
             </a:r>
           </a:p>
@@ -3170,7 +3175,7 @@
               <a:buChar char="•"/>
             </a:pPr>
             <a:r>
-              <a:rPr lang="en-GB" sz="5400" dirty="0"/>
+              <a:rPr lang="en-GB" sz="4800" dirty="0"/>
               <a:t>Correct answer takes you to the next room</a:t>
             </a:r>
           </a:p>
@@ -3180,7 +3185,7 @@
               <a:buChar char="•"/>
             </a:pPr>
             <a:r>
-              <a:rPr lang="en-GB" sz="5400" dirty="0"/>
+              <a:rPr lang="en-GB" sz="4800" dirty="0"/>
               <a:t>Wrong answer take you back to the start</a:t>
             </a:r>
           </a:p>
@@ -3331,7 +3336,7 @@
         </p:blipFill>
         <p:spPr>
           <a:xfrm>
-            <a:off x="-54627" y="0"/>
+            <a:off x="-109253" y="0"/>
             <a:ext cx="30349541" cy="21240750"/>
           </a:xfrm>
           <a:prstGeom prst="rect">
@@ -3354,9 +3359,9 @@
           <p:nvPr/>
         </p:nvCxnSpPr>
         <p:spPr>
-          <a:xfrm flipV="1">
-            <a:off x="13116910" y="14378152"/>
-            <a:ext cx="0" cy="4572000"/>
+          <a:xfrm flipH="1">
+            <a:off x="22998546" y="10138661"/>
+            <a:ext cx="6123709" cy="0"/>
           </a:xfrm>
           <a:prstGeom prst="straightConnector1">
             <a:avLst/>
@@ -3377,6 +3382,178 @@
           </a:fillRef>
           <a:effectRef idx="1">
             <a:schemeClr val="accent1"/>
+          </a:effectRef>
+          <a:fontRef idx="minor">
+            <a:schemeClr val="tx1"/>
+          </a:fontRef>
+        </p:style>
+      </p:cxnSp>
+      <p:pic>
+        <p:nvPicPr>
+          <p:cNvPr id="1026" name="Picture 2">
+            <a:extLst>
+              <a:ext uri="{FF2B5EF4-FFF2-40B4-BE49-F238E27FC236}">
+                <a16:creationId xmlns:a16="http://schemas.microsoft.com/office/drawing/2014/main" id="{7B602E00-6C19-9421-D62A-C080E1DC19EA}"/>
+              </a:ext>
+            </a:extLst>
+          </p:cNvPr>
+          <p:cNvPicPr>
+            <a:picLocks noChangeAspect="1" noChangeArrowheads="1"/>
+          </p:cNvPicPr>
+          <p:nvPr/>
+        </p:nvPicPr>
+        <p:blipFill>
+          <a:blip r:embed="rId5">
+            <a:extLst>
+              <a:ext uri="{28A0092B-C50C-407E-A947-70E740481C1C}">
+                <a14:useLocalDpi xmlns:a14="http://schemas.microsoft.com/office/drawing/2010/main" val="0"/>
+              </a:ext>
+            </a:extLst>
+          </a:blip>
+          <a:srcRect/>
+          <a:stretch>
+            <a:fillRect/>
+          </a:stretch>
+        </p:blipFill>
+        <p:spPr bwMode="auto">
+          <a:xfrm>
+            <a:off x="10195376" y="11100453"/>
+            <a:ext cx="20044912" cy="2683303"/>
+          </a:xfrm>
+          <a:prstGeom prst="rect">
+            <a:avLst/>
+          </a:prstGeom>
+          <a:noFill/>
+          <a:extLst>
+            <a:ext uri="{909E8E84-426E-40DD-AFC4-6F175D3DCCD1}">
+              <a14:hiddenFill xmlns:a14="http://schemas.microsoft.com/office/drawing/2010/main">
+                <a:solidFill>
+                  <a:srgbClr val="FFFFFF"/>
+                </a:solidFill>
+              </a14:hiddenFill>
+            </a:ext>
+          </a:extLst>
+        </p:spPr>
+      </p:pic>
+      <p:sp>
+        <p:nvSpPr>
+          <p:cNvPr id="4" name="TextBox 3">
+            <a:extLst>
+              <a:ext uri="{FF2B5EF4-FFF2-40B4-BE49-F238E27FC236}">
+                <a16:creationId xmlns:a16="http://schemas.microsoft.com/office/drawing/2014/main" id="{2C574AE5-76E5-31F1-2B82-F178B59F7DED}"/>
+              </a:ext>
+            </a:extLst>
+          </p:cNvPr>
+          <p:cNvSpPr txBox="1"/>
+          <p:nvPr/>
+        </p:nvSpPr>
+        <p:spPr>
+          <a:xfrm>
+            <a:off x="12811221" y="14192440"/>
+            <a:ext cx="15683346" cy="5355312"/>
+          </a:xfrm>
+          <a:prstGeom prst="rect">
+            <a:avLst/>
+          </a:prstGeom>
+          <a:noFill/>
+        </p:spPr>
+        <p:txBody>
+          <a:bodyPr wrap="square" rtlCol="0">
+            <a:spAutoFit/>
+          </a:bodyPr>
+          <a:lstStyle/>
+          <a:p>
+            <a:pPr marL="285750" indent="-285750">
+              <a:buFont typeface="Arial" panose="020B0604020202020204" pitchFamily="34" charset="0"/>
+              <a:buChar char="•"/>
+            </a:pPr>
+            <a:r>
+              <a:rPr lang="en-GB" sz="5400" dirty="0"/>
+              <a:t>The Layout of the rooms</a:t>
+            </a:r>
+          </a:p>
+          <a:p>
+            <a:pPr marL="285750" indent="-285750">
+              <a:buFont typeface="Arial" panose="020B0604020202020204" pitchFamily="34" charset="0"/>
+              <a:buChar char="•"/>
+            </a:pPr>
+            <a:r>
+              <a:rPr lang="en-GB" sz="5400" dirty="0"/>
+              <a:t>Starts with a start screen</a:t>
+            </a:r>
+          </a:p>
+          <a:p>
+            <a:pPr marL="285750" indent="-285750">
+              <a:buFont typeface="Arial" panose="020B0604020202020204" pitchFamily="34" charset="0"/>
+              <a:buChar char="•"/>
+            </a:pPr>
+            <a:r>
+              <a:rPr lang="en-GB" sz="5400" dirty="0"/>
+              <a:t>Six rooms after, all with a riddle</a:t>
+            </a:r>
+          </a:p>
+          <a:p>
+            <a:pPr marL="285750" indent="-285750">
+              <a:buFont typeface="Arial" panose="020B0604020202020204" pitchFamily="34" charset="0"/>
+              <a:buChar char="•"/>
+            </a:pPr>
+            <a:r>
+              <a:rPr lang="en-GB" sz="5400" dirty="0"/>
+              <a:t>Wrong answers takes you back to the start (Red lines)</a:t>
+            </a:r>
+          </a:p>
+          <a:p>
+            <a:pPr marL="285750" indent="-285750">
+              <a:buFont typeface="Arial" panose="020B0604020202020204" pitchFamily="34" charset="0"/>
+              <a:buChar char="•"/>
+            </a:pPr>
+            <a:r>
+              <a:rPr lang="en-GB" sz="5400" dirty="0"/>
+              <a:t>Last room finishes the game</a:t>
+            </a:r>
+          </a:p>
+          <a:p>
+            <a:pPr marL="285750" indent="-285750">
+              <a:buFont typeface="Arial" panose="020B0604020202020204" pitchFamily="34" charset="0"/>
+              <a:buChar char="•"/>
+            </a:pPr>
+            <a:endParaRPr lang="en-GB" dirty="0"/>
+          </a:p>
+        </p:txBody>
+      </p:sp>
+      <p:cxnSp>
+        <p:nvCxnSpPr>
+          <p:cNvPr id="6" name="Straight Arrow Connector 5">
+            <a:extLst>
+              <a:ext uri="{FF2B5EF4-FFF2-40B4-BE49-F238E27FC236}">
+                <a16:creationId xmlns:a16="http://schemas.microsoft.com/office/drawing/2014/main" id="{E4AF4CEE-F145-8AE7-C736-BE152F716290}"/>
+              </a:ext>
+            </a:extLst>
+          </p:cNvPr>
+          <p:cNvCxnSpPr/>
+          <p:nvPr/>
+        </p:nvCxnSpPr>
+        <p:spPr>
+          <a:xfrm flipV="1">
+            <a:off x="12179101" y="14192440"/>
+            <a:ext cx="0" cy="4603531"/>
+          </a:xfrm>
+          <a:prstGeom prst="straightConnector1">
+            <a:avLst/>
+          </a:prstGeom>
+          <a:ln w="76200">
+            <a:tailEnd type="triangle"/>
+          </a:ln>
+        </p:spPr>
+        <p:style>
+          <a:lnRef idx="3">
+            <a:schemeClr val="dk1"/>
+          </a:lnRef>
+          <a:fillRef idx="0">
+            <a:schemeClr val="dk1"/>
+          </a:fillRef>
+          <a:effectRef idx="2">
+            <a:schemeClr val="dk1"/>
           </a:effectRef>
           <a:fontRef idx="minor">
             <a:schemeClr val="tx1"/>
